--- a/Security.pptx
+++ b/Security.pptx
@@ -6,8 +6,11 @@
   </p:sldMasterIdLst>
   <p:sldIdLst>
     <p:sldId id="256" r:id="rId2"/>
-    <p:sldId id="258" r:id="rId3"/>
-    <p:sldId id="257" r:id="rId4"/>
+    <p:sldId id="264" r:id="rId3"/>
+    <p:sldId id="259" r:id="rId4"/>
+    <p:sldId id="262" r:id="rId5"/>
+    <p:sldId id="263" r:id="rId6"/>
+    <p:sldId id="265" r:id="rId7"/>
   </p:sldIdLst>
   <p:sldSz cx="9144000" cy="6858000" type="screen4x3"/>
   <p:notesSz cx="6858000" cy="9144000"/>
@@ -2866,7 +2869,7 @@
           <a:p>
             <a:fld id="{36A6E267-1961-DC47-8909-2AD16BAF8ABE}" type="datetimeFigureOut">
               <a:rPr lang="en-US" smtClean="0"/>
-              <a:t>27/05/16</a:t>
+              <a:t>28/05/16</a:t>
             </a:fld>
             <a:endParaRPr lang="en-US"/>
           </a:p>
@@ -3151,7 +3154,7 @@
           <a:p>
             <a:fld id="{36A6E267-1961-DC47-8909-2AD16BAF8ABE}" type="datetimeFigureOut">
               <a:rPr lang="en-US" smtClean="0"/>
-              <a:t>27/05/16</a:t>
+              <a:t>28/05/16</a:t>
             </a:fld>
             <a:endParaRPr lang="en-US"/>
           </a:p>
@@ -3326,7 +3329,7 @@
           <a:p>
             <a:fld id="{36A6E267-1961-DC47-8909-2AD16BAF8ABE}" type="datetimeFigureOut">
               <a:rPr lang="en-US" smtClean="0"/>
-              <a:t>27/05/16</a:t>
+              <a:t>28/05/16</a:t>
             </a:fld>
             <a:endParaRPr lang="en-US"/>
           </a:p>
@@ -3491,7 +3494,7 @@
           <a:p>
             <a:fld id="{36A6E267-1961-DC47-8909-2AD16BAF8ABE}" type="datetimeFigureOut">
               <a:rPr lang="en-US" smtClean="0"/>
-              <a:t>27/05/16</a:t>
+              <a:t>28/05/16</a:t>
             </a:fld>
             <a:endParaRPr lang="en-US"/>
           </a:p>
@@ -3732,7 +3735,7 @@
           <a:p>
             <a:fld id="{36A6E267-1961-DC47-8909-2AD16BAF8ABE}" type="datetimeFigureOut">
               <a:rPr lang="en-US" smtClean="0"/>
-              <a:t>27/05/16</a:t>
+              <a:t>28/05/16</a:t>
             </a:fld>
             <a:endParaRPr lang="en-US"/>
           </a:p>
@@ -3845,7 +3848,7 @@
           <a:p>
             <a:fld id="{36A6E267-1961-DC47-8909-2AD16BAF8ABE}" type="datetimeFigureOut">
               <a:rPr lang="en-US" smtClean="0"/>
-              <a:t>27/05/16</a:t>
+              <a:t>28/05/16</a:t>
             </a:fld>
             <a:endParaRPr lang="en-US"/>
           </a:p>
@@ -4384,7 +4387,7 @@
           <a:p>
             <a:fld id="{36A6E267-1961-DC47-8909-2AD16BAF8ABE}" type="datetimeFigureOut">
               <a:rPr lang="en-US" smtClean="0"/>
-              <a:t>27/05/16</a:t>
+              <a:t>28/05/16</a:t>
             </a:fld>
             <a:endParaRPr lang="en-US"/>
           </a:p>
@@ -4497,7 +4500,7 @@
           <a:p>
             <a:fld id="{36A6E267-1961-DC47-8909-2AD16BAF8ABE}" type="datetimeFigureOut">
               <a:rPr lang="en-US" smtClean="0"/>
-              <a:t>27/05/16</a:t>
+              <a:t>28/05/16</a:t>
             </a:fld>
             <a:endParaRPr lang="en-US"/>
           </a:p>
@@ -4587,7 +4590,7 @@
           <a:p>
             <a:fld id="{36A6E267-1961-DC47-8909-2AD16BAF8ABE}" type="datetimeFigureOut">
               <a:rPr lang="en-US" smtClean="0"/>
-              <a:t>27/05/16</a:t>
+              <a:t>28/05/16</a:t>
             </a:fld>
             <a:endParaRPr lang="en-US"/>
           </a:p>
@@ -7238,7 +7241,7 @@
           <a:p>
             <a:fld id="{36A6E267-1961-DC47-8909-2AD16BAF8ABE}" type="datetimeFigureOut">
               <a:rPr lang="en-US" smtClean="0"/>
-              <a:t>27/05/16</a:t>
+              <a:t>28/05/16</a:t>
             </a:fld>
             <a:endParaRPr lang="en-US"/>
           </a:p>
@@ -10450,7 +10453,7 @@
           <a:p>
             <a:fld id="{36A6E267-1961-DC47-8909-2AD16BAF8ABE}" type="datetimeFigureOut">
               <a:rPr lang="en-US" smtClean="0"/>
-              <a:t>27/05/16</a:t>
+              <a:t>28/05/16</a:t>
             </a:fld>
             <a:endParaRPr lang="en-US"/>
           </a:p>
@@ -13272,7 +13275,7 @@
           <a:p>
             <a:fld id="{36A6E267-1961-DC47-8909-2AD16BAF8ABE}" type="datetimeFigureOut">
               <a:rPr lang="en-US" smtClean="0"/>
-              <a:t>27/05/16</a:t>
+              <a:t>28/05/16</a:t>
             </a:fld>
             <a:endParaRPr lang="en-US"/>
           </a:p>
@@ -13775,7 +13778,7 @@
           <a:p>
             <a:r>
               <a:rPr lang="en-US" dirty="0" smtClean="0"/>
-              <a:t>Security </a:t>
+              <a:t>Justification Of Security  </a:t>
             </a:r>
             <a:endParaRPr lang="en-US" dirty="0"/>
           </a:p>
@@ -13836,8 +13839,12 @@
           <a:lstStyle/>
           <a:p>
             <a:r>
+              <a:rPr lang="en-US" dirty="0"/>
+              <a:t>Dos Attacks and how they have been </a:t>
+            </a:r>
+            <a:r>
               <a:rPr lang="en-US" dirty="0" smtClean="0"/>
-              <a:t>What is a Deny of Service Attack? </a:t>
+              <a:t>prevented</a:t>
             </a:r>
             <a:endParaRPr lang="en-US" dirty="0"/>
           </a:p>
@@ -13856,31 +13863,37 @@
         <p:spPr/>
         <p:txBody>
           <a:bodyPr>
-            <a:normAutofit lnSpcReduction="10000"/>
+            <a:normAutofit fontScale="77500" lnSpcReduction="20000"/>
           </a:bodyPr>
           <a:lstStyle/>
           <a:p>
             <a:r>
-              <a:rPr lang="en-US" sz="3200" dirty="0" smtClean="0"/>
-              <a:t> I a malicious attempt to deny access for the legitimate users of the service. </a:t>
+              <a:rPr lang="en-US" sz="3200" dirty="0"/>
+              <a:t>To build our website we used Azure that prevents DOS attacks by providing built-in load balancers that starve off the DOS type Attacks. It uses standard detection and mitigation techniques such as SYN cookies, rate limiting, and connection limits. </a:t>
             </a:r>
           </a:p>
           <a:p>
             <a:r>
               <a:rPr lang="en-US" sz="3200" dirty="0"/>
-              <a:t> </a:t>
+              <a:t>Other Practices that were taken: </a:t>
             </a:r>
+          </a:p>
+          <a:p>
+            <a:pPr lvl="1"/>
             <a:r>
-              <a:rPr lang="en-US" sz="3200" dirty="0" smtClean="0"/>
-              <a:t>An attacker uses a small amount of non-trivial computing resources to send bogus traffic to a site. </a:t>
+              <a:rPr lang="en-US" sz="2800" dirty="0"/>
+              <a:t>Frequent monitoring of the code and database for any suspicious activity</a:t>
             </a:r>
+          </a:p>
+          <a:p>
+            <a:endParaRPr lang="en-US" dirty="0"/>
           </a:p>
         </p:txBody>
       </p:sp>
     </p:spTree>
     <p:extLst>
       <p:ext uri="{BB962C8B-B14F-4D97-AF65-F5344CB8AC3E}">
-        <p14:creationId xmlns:p14="http://schemas.microsoft.com/office/powerpoint/2010/main" val="3609960322"/>
+        <p14:creationId xmlns:p14="http://schemas.microsoft.com/office/powerpoint/2010/main" val="2349971210"/>
       </p:ext>
     </p:extLst>
   </p:cSld>
@@ -13909,6 +13922,31 @@
       </p:grpSpPr>
       <p:sp>
         <p:nvSpPr>
+          <p:cNvPr id="2" name="Title 1"/>
+          <p:cNvSpPr>
+            <a:spLocks noGrp="1"/>
+          </p:cNvSpPr>
+          <p:nvPr>
+            <p:ph type="title"/>
+          </p:nvPr>
+        </p:nvSpPr>
+        <p:spPr/>
+        <p:txBody>
+          <a:bodyPr>
+            <a:normAutofit fontScale="90000"/>
+          </a:bodyPr>
+          <a:lstStyle/>
+          <a:p>
+            <a:r>
+              <a:rPr lang="en-US" dirty="0" smtClean="0"/>
+              <a:t>Security against common attacks </a:t>
+            </a:r>
+            <a:endParaRPr lang="en-US" dirty="0"/>
+          </a:p>
+        </p:txBody>
+      </p:sp>
+      <p:sp>
+        <p:nvSpPr>
           <p:cNvPr id="3" name="Content Placeholder 2"/>
           <p:cNvSpPr>
             <a:spLocks noGrp="1"/>
@@ -13917,71 +13955,400 @@
             <p:ph idx="1"/>
           </p:nvPr>
         </p:nvSpPr>
-        <p:spPr>
-          <a:xfrm>
-            <a:off x="457200" y="1673412"/>
-            <a:ext cx="8229600" cy="4452751"/>
-          </a:xfrm>
-        </p:spPr>
+        <p:spPr/>
         <p:txBody>
-          <a:bodyPr/>
+          <a:bodyPr>
+            <a:normAutofit fontScale="92500" lnSpcReduction="10000"/>
+          </a:bodyPr>
           <a:lstStyle/>
           <a:p>
-            <a:pPr marL="68580" indent="0">
-              <a:buNone/>
-            </a:pPr>
             <a:r>
               <a:rPr lang="en-US" dirty="0" smtClean="0"/>
-              <a:t>Dos Attacks and how they have been prevented</a:t>
+              <a:t>Broken Authentication and Session Management </a:t>
+            </a:r>
+          </a:p>
+          <a:p>
+            <a:pPr lvl="1"/>
+            <a:r>
+              <a:rPr lang="en-US" dirty="0" smtClean="0"/>
+              <a:t>Login exploration – logout button and login expiry at the end of each session</a:t>
             </a:r>
           </a:p>
           <a:p>
             <a:r>
-              <a:rPr lang="en-US" dirty="0" smtClean="0"/>
-              <a:t>Azure has built-in load balancers that starve off the DOS type Attacks. It uses standard detection and mitigation techniques such as SYN cookies, rate limiting, and </a:t>
+              <a:rPr lang="en-US" dirty="0"/>
+              <a:t>Security </a:t>
             </a:r>
             <a:r>
-              <a:rPr lang="en-US" smtClean="0"/>
-              <a:t>connection limits. </a:t>
+              <a:rPr lang="en-US" dirty="0" smtClean="0"/>
+              <a:t>Misconfiguration</a:t>
             </a:r>
-            <a:endParaRPr lang="en-US" dirty="0" smtClean="0"/>
+          </a:p>
+          <a:p>
+            <a:pPr lvl="1"/>
+            <a:r>
+              <a:rPr lang="en-US" dirty="0" smtClean="0"/>
+              <a:t>Custom Code and frequent monitoring of suspicious activity</a:t>
+            </a:r>
           </a:p>
           <a:p>
             <a:r>
-              <a:rPr lang="en-US" dirty="0" smtClean="0"/>
-              <a:t>As the application is hosted in the cloud there is the advantage of auto-scaling when attacks occur so the site won</a:t>
-            </a:r>
-            <a:r>
-              <a:rPr lang="fr-FR" dirty="0" smtClean="0"/>
-              <a:t>’</a:t>
+              <a:rPr lang="en-US" dirty="0"/>
+              <a:t>Sensitive Data </a:t>
             </a:r>
             <a:r>
               <a:rPr lang="en-US" dirty="0" smtClean="0"/>
-              <a:t>t crash. </a:t>
+              <a:t>Exposure</a:t>
             </a:r>
           </a:p>
           <a:p>
-            <a:endParaRPr lang="en-US" dirty="0" smtClean="0"/>
+            <a:pPr lvl="1"/>
+            <a:r>
+              <a:rPr lang="en-US" dirty="0" smtClean="0"/>
+              <a:t>Azure Protects the website by providing a cloud based platform </a:t>
+            </a:r>
+            <a:endParaRPr lang="en-US" dirty="0"/>
           </a:p>
         </p:txBody>
       </p:sp>
     </p:spTree>
     <p:extLst>
       <p:ext uri="{BB962C8B-B14F-4D97-AF65-F5344CB8AC3E}">
-        <p14:creationId xmlns:p14="http://schemas.microsoft.com/office/powerpoint/2010/main" val="769317062"/>
+        <p14:creationId xmlns:p14="http://schemas.microsoft.com/office/powerpoint/2010/main" val="1889928047"/>
       </p:ext>
     </p:extLst>
   </p:cSld>
   <p:clrMapOvr>
     <a:masterClrMapping/>
   </p:clrMapOvr>
-  <p:timing>
-    <p:tnLst>
-      <p:par>
-        <p:cTn xmlns:p14="http://schemas.microsoft.com/office/powerpoint/2010/main" id="1" dur="indefinite" restart="never" nodeType="tmRoot"/>
-      </p:par>
-    </p:tnLst>
-  </p:timing>
+</p:sld>
+</file>
+
+<file path=ppt/slides/slide4.xml><?xml version="1.0" encoding="utf-8"?>
+<p:sld xmlns:a="http://schemas.openxmlformats.org/drawingml/2006/main" xmlns:r="http://schemas.openxmlformats.org/officeDocument/2006/relationships" xmlns:p="http://schemas.openxmlformats.org/presentationml/2006/main">
+  <p:cSld>
+    <p:spTree>
+      <p:nvGrpSpPr>
+        <p:cNvPr id="1" name=""/>
+        <p:cNvGrpSpPr/>
+        <p:nvPr/>
+      </p:nvGrpSpPr>
+      <p:grpSpPr>
+        <a:xfrm>
+          <a:off x="0" y="0"/>
+          <a:ext cx="0" cy="0"/>
+          <a:chOff x="0" y="0"/>
+          <a:chExt cx="0" cy="0"/>
+        </a:xfrm>
+      </p:grpSpPr>
+      <p:sp>
+        <p:nvSpPr>
+          <p:cNvPr id="2" name="Title 1"/>
+          <p:cNvSpPr>
+            <a:spLocks noGrp="1"/>
+          </p:cNvSpPr>
+          <p:nvPr>
+            <p:ph type="title"/>
+          </p:nvPr>
+        </p:nvSpPr>
+        <p:spPr/>
+        <p:txBody>
+          <a:bodyPr/>
+          <a:lstStyle/>
+          <a:p>
+            <a:r>
+              <a:rPr lang="en-US" dirty="0" smtClean="0"/>
+              <a:t>Continued…</a:t>
+            </a:r>
+            <a:endParaRPr lang="en-US" dirty="0"/>
+          </a:p>
+        </p:txBody>
+      </p:sp>
+      <p:sp>
+        <p:nvSpPr>
+          <p:cNvPr id="3" name="Content Placeholder 2"/>
+          <p:cNvSpPr>
+            <a:spLocks noGrp="1"/>
+          </p:cNvSpPr>
+          <p:nvPr>
+            <p:ph idx="1"/>
+          </p:nvPr>
+        </p:nvSpPr>
+        <p:spPr/>
+        <p:txBody>
+          <a:bodyPr/>
+          <a:lstStyle/>
+          <a:p>
+            <a:r>
+              <a:rPr lang="en-US" dirty="0"/>
+              <a:t>Missing Function Level Access </a:t>
+            </a:r>
+            <a:r>
+              <a:rPr lang="en-US" dirty="0" smtClean="0"/>
+              <a:t>Control</a:t>
+            </a:r>
+          </a:p>
+          <a:p>
+            <a:pPr lvl="1"/>
+            <a:r>
+              <a:rPr lang="en-US" dirty="0" smtClean="0"/>
+              <a:t>To protect against this asks for a security company to be employed to protect our system</a:t>
+            </a:r>
+          </a:p>
+          <a:p>
+            <a:r>
+              <a:rPr lang="en-US" dirty="0"/>
+              <a:t>Cross Site Request Forgery (CSRF Or XSRF</a:t>
+            </a:r>
+            <a:r>
+              <a:rPr lang="en-US" dirty="0" smtClean="0"/>
+              <a:t>)</a:t>
+            </a:r>
+          </a:p>
+          <a:p>
+            <a:pPr lvl="1"/>
+            <a:r>
+              <a:rPr lang="en-US" dirty="0" smtClean="0"/>
+              <a:t>Being aware of the what the scammers usually ask to access the system – keep important access usernames and passwords confidential </a:t>
+            </a:r>
+            <a:endParaRPr lang="en-US" dirty="0"/>
+          </a:p>
+        </p:txBody>
+      </p:sp>
+    </p:spTree>
+    <p:extLst>
+      <p:ext uri="{BB962C8B-B14F-4D97-AF65-F5344CB8AC3E}">
+        <p14:creationId xmlns:p14="http://schemas.microsoft.com/office/powerpoint/2010/main" val="1088732426"/>
+      </p:ext>
+    </p:extLst>
+  </p:cSld>
+  <p:clrMapOvr>
+    <a:masterClrMapping/>
+  </p:clrMapOvr>
+</p:sld>
+</file>
+
+<file path=ppt/slides/slide5.xml><?xml version="1.0" encoding="utf-8"?>
+<p:sld xmlns:a="http://schemas.openxmlformats.org/drawingml/2006/main" xmlns:r="http://schemas.openxmlformats.org/officeDocument/2006/relationships" xmlns:p="http://schemas.openxmlformats.org/presentationml/2006/main">
+  <p:cSld>
+    <p:spTree>
+      <p:nvGrpSpPr>
+        <p:cNvPr id="1" name=""/>
+        <p:cNvGrpSpPr/>
+        <p:nvPr/>
+      </p:nvGrpSpPr>
+      <p:grpSpPr>
+        <a:xfrm>
+          <a:off x="0" y="0"/>
+          <a:ext cx="0" cy="0"/>
+          <a:chOff x="0" y="0"/>
+          <a:chExt cx="0" cy="0"/>
+        </a:xfrm>
+      </p:grpSpPr>
+      <p:sp>
+        <p:nvSpPr>
+          <p:cNvPr id="2" name="Title 1"/>
+          <p:cNvSpPr>
+            <a:spLocks noGrp="1"/>
+          </p:cNvSpPr>
+          <p:nvPr>
+            <p:ph type="title"/>
+          </p:nvPr>
+        </p:nvSpPr>
+        <p:spPr/>
+        <p:txBody>
+          <a:bodyPr/>
+          <a:lstStyle/>
+          <a:p>
+            <a:r>
+              <a:rPr lang="en-US" dirty="0" smtClean="0"/>
+              <a:t>Continued…</a:t>
+            </a:r>
+            <a:endParaRPr lang="en-US" dirty="0"/>
+          </a:p>
+        </p:txBody>
+      </p:sp>
+      <p:sp>
+        <p:nvSpPr>
+          <p:cNvPr id="3" name="Content Placeholder 2"/>
+          <p:cNvSpPr>
+            <a:spLocks noGrp="1"/>
+          </p:cNvSpPr>
+          <p:nvPr>
+            <p:ph idx="1"/>
+          </p:nvPr>
+        </p:nvSpPr>
+        <p:spPr/>
+        <p:txBody>
+          <a:bodyPr/>
+          <a:lstStyle/>
+          <a:p>
+            <a:r>
+              <a:rPr lang="en-US" dirty="0"/>
+              <a:t>Using Components with </a:t>
+            </a:r>
+            <a:r>
+              <a:rPr lang="en-US" dirty="0" smtClean="0"/>
+              <a:t>known Vulnerabilities</a:t>
+            </a:r>
+          </a:p>
+          <a:p>
+            <a:pPr lvl="1"/>
+            <a:r>
+              <a:rPr lang="en-US" dirty="0" smtClean="0"/>
+              <a:t>Keeping data libraries up-to-date and current</a:t>
+            </a:r>
+          </a:p>
+          <a:p>
+            <a:r>
+              <a:rPr lang="en-US" dirty="0" smtClean="0"/>
+              <a:t>Invalidated </a:t>
+            </a:r>
+            <a:r>
+              <a:rPr lang="en-US" dirty="0"/>
+              <a:t>Redirect &amp; </a:t>
+            </a:r>
+            <a:r>
+              <a:rPr lang="en-US" dirty="0" smtClean="0"/>
+              <a:t>Forwards</a:t>
+            </a:r>
+          </a:p>
+          <a:p>
+            <a:pPr lvl="1"/>
+            <a:r>
+              <a:rPr lang="en-US" dirty="0" smtClean="0"/>
+              <a:t>Keeping usernames and password secure and confidential </a:t>
+            </a:r>
+          </a:p>
+        </p:txBody>
+      </p:sp>
+    </p:spTree>
+    <p:extLst>
+      <p:ext uri="{BB962C8B-B14F-4D97-AF65-F5344CB8AC3E}">
+        <p14:creationId xmlns:p14="http://schemas.microsoft.com/office/powerpoint/2010/main" val="4111761688"/>
+      </p:ext>
+    </p:extLst>
+  </p:cSld>
+  <p:clrMapOvr>
+    <a:masterClrMapping/>
+  </p:clrMapOvr>
+</p:sld>
+</file>
+
+<file path=ppt/slides/slide6.xml><?xml version="1.0" encoding="utf-8"?>
+<p:sld xmlns:a="http://schemas.openxmlformats.org/drawingml/2006/main" xmlns:r="http://schemas.openxmlformats.org/officeDocument/2006/relationships" xmlns:p="http://schemas.openxmlformats.org/presentationml/2006/main">
+  <p:cSld>
+    <p:spTree>
+      <p:nvGrpSpPr>
+        <p:cNvPr id="1" name=""/>
+        <p:cNvGrpSpPr/>
+        <p:nvPr/>
+      </p:nvGrpSpPr>
+      <p:grpSpPr>
+        <a:xfrm>
+          <a:off x="0" y="0"/>
+          <a:ext cx="0" cy="0"/>
+          <a:chOff x="0" y="0"/>
+          <a:chExt cx="0" cy="0"/>
+        </a:xfrm>
+      </p:grpSpPr>
+      <p:sp>
+        <p:nvSpPr>
+          <p:cNvPr id="2" name="Title 1"/>
+          <p:cNvSpPr>
+            <a:spLocks noGrp="1"/>
+          </p:cNvSpPr>
+          <p:nvPr>
+            <p:ph type="title"/>
+          </p:nvPr>
+        </p:nvSpPr>
+        <p:spPr/>
+        <p:txBody>
+          <a:bodyPr/>
+          <a:lstStyle/>
+          <a:p>
+            <a:r>
+              <a:rPr lang="en-US" dirty="0" smtClean="0"/>
+              <a:t>Other Methods</a:t>
+            </a:r>
+            <a:endParaRPr lang="en-US" dirty="0"/>
+          </a:p>
+        </p:txBody>
+      </p:sp>
+      <p:sp>
+        <p:nvSpPr>
+          <p:cNvPr id="3" name="Content Placeholder 2"/>
+          <p:cNvSpPr>
+            <a:spLocks noGrp="1"/>
+          </p:cNvSpPr>
+          <p:nvPr>
+            <p:ph idx="1"/>
+          </p:nvPr>
+        </p:nvSpPr>
+        <p:spPr/>
+        <p:txBody>
+          <a:bodyPr>
+            <a:normAutofit lnSpcReduction="10000"/>
+          </a:bodyPr>
+          <a:lstStyle/>
+          <a:p>
+            <a:r>
+              <a:rPr lang="en-US" dirty="0" smtClean="0"/>
+              <a:t>Confidentiality </a:t>
+            </a:r>
+          </a:p>
+          <a:p>
+            <a:r>
+              <a:rPr lang="en-US" dirty="0" smtClean="0"/>
+              <a:t>Integrity </a:t>
+            </a:r>
+          </a:p>
+          <a:p>
+            <a:pPr lvl="1"/>
+            <a:r>
+              <a:rPr lang="en-US" dirty="0" smtClean="0"/>
+              <a:t>Monitoring of code/messages </a:t>
+            </a:r>
+          </a:p>
+          <a:p>
+            <a:r>
+              <a:rPr lang="en-US" dirty="0" smtClean="0"/>
+              <a:t>Authentication </a:t>
+            </a:r>
+          </a:p>
+          <a:p>
+            <a:pPr lvl="1"/>
+            <a:r>
+              <a:rPr lang="en-US" dirty="0" smtClean="0"/>
+              <a:t>Verify the identity by Facebook login and monitoring </a:t>
+            </a:r>
+          </a:p>
+          <a:p>
+            <a:r>
+              <a:rPr lang="en-US" dirty="0" smtClean="0"/>
+              <a:t>Non-Repudiation </a:t>
+            </a:r>
+          </a:p>
+          <a:p>
+            <a:pPr lvl="1"/>
+            <a:r>
+              <a:rPr lang="en-US" dirty="0" smtClean="0"/>
+              <a:t>Ensuring that integrity and authentication are upheld </a:t>
+            </a:r>
+            <a:endParaRPr lang="en-US" dirty="0"/>
+          </a:p>
+        </p:txBody>
+      </p:sp>
+    </p:spTree>
+    <p:extLst>
+      <p:ext uri="{BB962C8B-B14F-4D97-AF65-F5344CB8AC3E}">
+        <p14:creationId xmlns:p14="http://schemas.microsoft.com/office/powerpoint/2010/main" val="1434886494"/>
+      </p:ext>
+    </p:extLst>
+  </p:cSld>
+  <p:clrMapOvr>
+    <a:masterClrMapping/>
+  </p:clrMapOvr>
 </p:sld>
 </file>
 

--- a/Security.pptx
+++ b/Security.pptx
@@ -5952,7 +5952,7 @@
           <a:p>
             <a:pPr algn="ctr"/>
             <a:r>
-              <a:rPr lang="en-US" dirty="0" smtClean="0"/>
+              <a:rPr lang="en-US" u="sng" dirty="0" smtClean="0"/>
               <a:t>UI &amp; UX</a:t>
             </a:r>
           </a:p>
@@ -5984,11 +5984,11 @@
           <a:p>
             <a:pPr algn="ctr"/>
             <a:r>
-              <a:rPr lang="en-US" dirty="0"/>
+              <a:rPr lang="en-US" u="sng" dirty="0"/>
               <a:t>Accessibility </a:t>
             </a:r>
             <a:r>
-              <a:rPr lang="en-US" dirty="0" smtClean="0"/>
+              <a:rPr lang="en-US" u="sng" dirty="0" smtClean="0"/>
               <a:t>&amp; Responsiveness</a:t>
             </a:r>
           </a:p>

--- a/Security.pptx
+++ b/Security.pptx
@@ -11,6 +11,7 @@
     <p:sldId id="262" r:id="rId5"/>
     <p:sldId id="263" r:id="rId6"/>
     <p:sldId id="265" r:id="rId7"/>
+    <p:sldId id="266" r:id="rId8"/>
   </p:sldIdLst>
   <p:sldSz cx="9144000" cy="6858000" type="screen4x3"/>
   <p:notesSz cx="6858000" cy="9144000"/>
@@ -2869,7 +2870,7 @@
           <a:p>
             <a:fld id="{36A6E267-1961-DC47-8909-2AD16BAF8ABE}" type="datetimeFigureOut">
               <a:rPr lang="en-US" smtClean="0"/>
-              <a:t>28/05/16</a:t>
+              <a:t>30/05/16</a:t>
             </a:fld>
             <a:endParaRPr lang="en-US"/>
           </a:p>
@@ -3154,7 +3155,7 @@
           <a:p>
             <a:fld id="{36A6E267-1961-DC47-8909-2AD16BAF8ABE}" type="datetimeFigureOut">
               <a:rPr lang="en-US" smtClean="0"/>
-              <a:t>28/05/16</a:t>
+              <a:t>30/05/16</a:t>
             </a:fld>
             <a:endParaRPr lang="en-US"/>
           </a:p>
@@ -3329,7 +3330,7 @@
           <a:p>
             <a:fld id="{36A6E267-1961-DC47-8909-2AD16BAF8ABE}" type="datetimeFigureOut">
               <a:rPr lang="en-US" smtClean="0"/>
-              <a:t>28/05/16</a:t>
+              <a:t>30/05/16</a:t>
             </a:fld>
             <a:endParaRPr lang="en-US"/>
           </a:p>
@@ -3494,7 +3495,7 @@
           <a:p>
             <a:fld id="{36A6E267-1961-DC47-8909-2AD16BAF8ABE}" type="datetimeFigureOut">
               <a:rPr lang="en-US" smtClean="0"/>
-              <a:t>28/05/16</a:t>
+              <a:t>30/05/16</a:t>
             </a:fld>
             <a:endParaRPr lang="en-US"/>
           </a:p>
@@ -3735,7 +3736,7 @@
           <a:p>
             <a:fld id="{36A6E267-1961-DC47-8909-2AD16BAF8ABE}" type="datetimeFigureOut">
               <a:rPr lang="en-US" smtClean="0"/>
-              <a:t>28/05/16</a:t>
+              <a:t>30/05/16</a:t>
             </a:fld>
             <a:endParaRPr lang="en-US"/>
           </a:p>
@@ -3848,7 +3849,7 @@
           <a:p>
             <a:fld id="{36A6E267-1961-DC47-8909-2AD16BAF8ABE}" type="datetimeFigureOut">
               <a:rPr lang="en-US" smtClean="0"/>
-              <a:t>28/05/16</a:t>
+              <a:t>30/05/16</a:t>
             </a:fld>
             <a:endParaRPr lang="en-US"/>
           </a:p>
@@ -4387,7 +4388,7 @@
           <a:p>
             <a:fld id="{36A6E267-1961-DC47-8909-2AD16BAF8ABE}" type="datetimeFigureOut">
               <a:rPr lang="en-US" smtClean="0"/>
-              <a:t>28/05/16</a:t>
+              <a:t>30/05/16</a:t>
             </a:fld>
             <a:endParaRPr lang="en-US"/>
           </a:p>
@@ -4500,7 +4501,7 @@
           <a:p>
             <a:fld id="{36A6E267-1961-DC47-8909-2AD16BAF8ABE}" type="datetimeFigureOut">
               <a:rPr lang="en-US" smtClean="0"/>
-              <a:t>28/05/16</a:t>
+              <a:t>30/05/16</a:t>
             </a:fld>
             <a:endParaRPr lang="en-US"/>
           </a:p>
@@ -4590,7 +4591,7 @@
           <a:p>
             <a:fld id="{36A6E267-1961-DC47-8909-2AD16BAF8ABE}" type="datetimeFigureOut">
               <a:rPr lang="en-US" smtClean="0"/>
-              <a:t>28/05/16</a:t>
+              <a:t>30/05/16</a:t>
             </a:fld>
             <a:endParaRPr lang="en-US"/>
           </a:p>
@@ -7241,7 +7242,7 @@
           <a:p>
             <a:fld id="{36A6E267-1961-DC47-8909-2AD16BAF8ABE}" type="datetimeFigureOut">
               <a:rPr lang="en-US" smtClean="0"/>
-              <a:t>28/05/16</a:t>
+              <a:t>30/05/16</a:t>
             </a:fld>
             <a:endParaRPr lang="en-US"/>
           </a:p>
@@ -10453,7 +10454,7 @@
           <a:p>
             <a:fld id="{36A6E267-1961-DC47-8909-2AD16BAF8ABE}" type="datetimeFigureOut">
               <a:rPr lang="en-US" smtClean="0"/>
-              <a:t>28/05/16</a:t>
+              <a:t>30/05/16</a:t>
             </a:fld>
             <a:endParaRPr lang="en-US"/>
           </a:p>
@@ -13275,7 +13276,7 @@
           <a:p>
             <a:fld id="{36A6E267-1961-DC47-8909-2AD16BAF8ABE}" type="datetimeFigureOut">
               <a:rPr lang="en-US" smtClean="0"/>
-              <a:t>28/05/16</a:t>
+              <a:t>30/05/16</a:t>
             </a:fld>
             <a:endParaRPr lang="en-US"/>
           </a:p>
@@ -14352,6 +14353,104 @@
 </p:sld>
 </file>
 
+<file path=ppt/slides/slide7.xml><?xml version="1.0" encoding="utf-8"?>
+<p:sld xmlns:a="http://schemas.openxmlformats.org/drawingml/2006/main" xmlns:r="http://schemas.openxmlformats.org/officeDocument/2006/relationships" xmlns:p="http://schemas.openxmlformats.org/presentationml/2006/main">
+  <p:cSld>
+    <p:spTree>
+      <p:nvGrpSpPr>
+        <p:cNvPr id="1" name=""/>
+        <p:cNvGrpSpPr/>
+        <p:nvPr/>
+      </p:nvGrpSpPr>
+      <p:grpSpPr>
+        <a:xfrm>
+          <a:off x="0" y="0"/>
+          <a:ext cx="0" cy="0"/>
+          <a:chOff x="0" y="0"/>
+          <a:chExt cx="0" cy="0"/>
+        </a:xfrm>
+      </p:grpSpPr>
+      <p:sp>
+        <p:nvSpPr>
+          <p:cNvPr id="2" name="Title 1"/>
+          <p:cNvSpPr>
+            <a:spLocks noGrp="1"/>
+          </p:cNvSpPr>
+          <p:nvPr>
+            <p:ph type="title"/>
+          </p:nvPr>
+        </p:nvSpPr>
+        <p:spPr/>
+        <p:txBody>
+          <a:bodyPr>
+            <a:normAutofit fontScale="90000"/>
+          </a:bodyPr>
+          <a:lstStyle/>
+          <a:p>
+            <a:r>
+              <a:rPr lang="en-US" dirty="0" smtClean="0"/>
+              <a:t>Absence of JSON Justification </a:t>
+            </a:r>
+            <a:endParaRPr lang="en-US" dirty="0"/>
+          </a:p>
+        </p:txBody>
+      </p:sp>
+      <p:sp>
+        <p:nvSpPr>
+          <p:cNvPr id="3" name="Content Placeholder 2"/>
+          <p:cNvSpPr>
+            <a:spLocks noGrp="1"/>
+          </p:cNvSpPr>
+          <p:nvPr>
+            <p:ph idx="1"/>
+          </p:nvPr>
+        </p:nvSpPr>
+        <p:spPr/>
+        <p:txBody>
+          <a:bodyPr/>
+          <a:lstStyle/>
+          <a:p>
+            <a:r>
+              <a:rPr lang="en-US" dirty="0" smtClean="0"/>
+              <a:t>We did not find JSON necessary as it is a non-extensible language </a:t>
+            </a:r>
+          </a:p>
+          <a:p>
+            <a:r>
+              <a:rPr lang="en-US" dirty="0" smtClean="0"/>
+              <a:t>JSON has no validating tool </a:t>
+            </a:r>
+          </a:p>
+          <a:p>
+            <a:r>
+              <a:rPr lang="en-US" dirty="0" smtClean="0"/>
+              <a:t>Not needed as we are not processing large amount of data at this time </a:t>
+            </a:r>
+          </a:p>
+          <a:p>
+            <a:r>
+              <a:rPr lang="en-US" dirty="0" smtClean="0"/>
+              <a:t>Using a intermittent language would add unneeded complexity </a:t>
+            </a:r>
+          </a:p>
+          <a:p>
+            <a:endParaRPr lang="en-US" dirty="0"/>
+          </a:p>
+        </p:txBody>
+      </p:sp>
+    </p:spTree>
+    <p:extLst>
+      <p:ext uri="{BB962C8B-B14F-4D97-AF65-F5344CB8AC3E}">
+        <p14:creationId xmlns:p14="http://schemas.microsoft.com/office/powerpoint/2010/main" val="945823209"/>
+      </p:ext>
+    </p:extLst>
+  </p:cSld>
+  <p:clrMapOvr>
+    <a:masterClrMapping/>
+  </p:clrMapOvr>
+</p:sld>
+</file>
+
 <file path=ppt/theme/theme1.xml><?xml version="1.0" encoding="utf-8"?>
 <a:theme xmlns:a="http://schemas.openxmlformats.org/drawingml/2006/main" name="Austin">
   <a:themeElements>
